--- a/CalendarioAgo2023/presentaciones/11_FuncionesLambda.pptx
+++ b/CalendarioAgo2023/presentaciones/11_FuncionesLambda.pptx
@@ -216,7 +216,7 @@
           <a:p>
             <a:fld id="{DDE721D5-655F-45D2-B717-3C4CD78C8568}" type="datetimeFigureOut">
               <a:rPr lang="es-MX" smtClean="0"/>
-              <a:t>23/08/2022</a:t>
+              <a:t>22/08/2023</a:t>
             </a:fld>
             <a:endParaRPr lang="es-MX" dirty="0"/>
           </a:p>
@@ -1253,7 +1253,7 @@
           <a:p>
             <a:fld id="{B3F3E716-CACC-4490-AD07-F24B6A68DE47}" type="datetimeFigureOut">
               <a:rPr lang="es-MX" smtClean="0"/>
-              <a:t>23/08/2022</a:t>
+              <a:t>22/08/2023</a:t>
             </a:fld>
             <a:endParaRPr lang="es-MX" dirty="0"/>
           </a:p>
@@ -1423,7 +1423,7 @@
           <a:p>
             <a:fld id="{B3F3E716-CACC-4490-AD07-F24B6A68DE47}" type="datetimeFigureOut">
               <a:rPr lang="es-MX" smtClean="0"/>
-              <a:t>23/08/2022</a:t>
+              <a:t>22/08/2023</a:t>
             </a:fld>
             <a:endParaRPr lang="es-MX" dirty="0"/>
           </a:p>
@@ -1603,7 +1603,7 @@
           <a:p>
             <a:fld id="{B3F3E716-CACC-4490-AD07-F24B6A68DE47}" type="datetimeFigureOut">
               <a:rPr lang="es-MX" smtClean="0"/>
-              <a:t>23/08/2022</a:t>
+              <a:t>22/08/2023</a:t>
             </a:fld>
             <a:endParaRPr lang="es-MX" dirty="0"/>
           </a:p>
@@ -1756,7 +1756,7 @@
           <a:p>
             <a:fld id="{1D8BD707-D9CF-40AE-B4C6-C98DA3205C09}" type="datetimeFigureOut">
               <a:rPr lang="en-US" smtClean="0"/>
-              <a:t>8/23/2022</a:t>
+              <a:t>8/22/2023</a:t>
             </a:fld>
             <a:endParaRPr lang="en-US" dirty="0"/>
           </a:p>
@@ -1916,7 +1916,7 @@
           <a:p>
             <a:fld id="{B3F3E716-CACC-4490-AD07-F24B6A68DE47}" type="datetimeFigureOut">
               <a:rPr lang="es-MX" smtClean="0"/>
-              <a:t>23/08/2022</a:t>
+              <a:t>22/08/2023</a:t>
             </a:fld>
             <a:endParaRPr lang="es-MX" dirty="0"/>
           </a:p>
@@ -2162,7 +2162,7 @@
           <a:p>
             <a:fld id="{B3F3E716-CACC-4490-AD07-F24B6A68DE47}" type="datetimeFigureOut">
               <a:rPr lang="es-MX" smtClean="0"/>
-              <a:t>23/08/2022</a:t>
+              <a:t>22/08/2023</a:t>
             </a:fld>
             <a:endParaRPr lang="es-MX" dirty="0"/>
           </a:p>
@@ -2450,7 +2450,7 @@
           <a:p>
             <a:fld id="{B3F3E716-CACC-4490-AD07-F24B6A68DE47}" type="datetimeFigureOut">
               <a:rPr lang="es-MX" smtClean="0"/>
-              <a:t>23/08/2022</a:t>
+              <a:t>22/08/2023</a:t>
             </a:fld>
             <a:endParaRPr lang="es-MX" dirty="0"/>
           </a:p>
@@ -2872,7 +2872,7 @@
           <a:p>
             <a:fld id="{B3F3E716-CACC-4490-AD07-F24B6A68DE47}" type="datetimeFigureOut">
               <a:rPr lang="es-MX" smtClean="0"/>
-              <a:t>23/08/2022</a:t>
+              <a:t>22/08/2023</a:t>
             </a:fld>
             <a:endParaRPr lang="es-MX" dirty="0"/>
           </a:p>
@@ -2990,7 +2990,7 @@
           <a:p>
             <a:fld id="{B3F3E716-CACC-4490-AD07-F24B6A68DE47}" type="datetimeFigureOut">
               <a:rPr lang="es-MX" smtClean="0"/>
-              <a:t>23/08/2022</a:t>
+              <a:t>22/08/2023</a:t>
             </a:fld>
             <a:endParaRPr lang="es-MX" dirty="0"/>
           </a:p>
@@ -3085,7 +3085,7 @@
           <a:p>
             <a:fld id="{B3F3E716-CACC-4490-AD07-F24B6A68DE47}" type="datetimeFigureOut">
               <a:rPr lang="es-MX" smtClean="0"/>
-              <a:t>23/08/2022</a:t>
+              <a:t>22/08/2023</a:t>
             </a:fld>
             <a:endParaRPr lang="es-MX" dirty="0"/>
           </a:p>
@@ -3362,7 +3362,7 @@
           <a:p>
             <a:fld id="{B3F3E716-CACC-4490-AD07-F24B6A68DE47}" type="datetimeFigureOut">
               <a:rPr lang="es-MX" smtClean="0"/>
-              <a:t>23/08/2022</a:t>
+              <a:t>22/08/2023</a:t>
             </a:fld>
             <a:endParaRPr lang="es-MX" dirty="0"/>
           </a:p>
@@ -3615,7 +3615,7 @@
           <a:p>
             <a:fld id="{B3F3E716-CACC-4490-AD07-F24B6A68DE47}" type="datetimeFigureOut">
               <a:rPr lang="es-MX" smtClean="0"/>
-              <a:t>23/08/2022</a:t>
+              <a:t>22/08/2023</a:t>
             </a:fld>
             <a:endParaRPr lang="es-MX" dirty="0"/>
           </a:p>
@@ -3828,7 +3828,7 @@
           <a:p>
             <a:fld id="{B3F3E716-CACC-4490-AD07-F24B6A68DE47}" type="datetimeFigureOut">
               <a:rPr lang="es-MX" smtClean="0"/>
-              <a:t>23/08/2022</a:t>
+              <a:t>22/08/2023</a:t>
             </a:fld>
             <a:endParaRPr lang="es-MX" dirty="0"/>
           </a:p>
@@ -6460,7 +6460,7 @@
                   </a:schemeClr>
                 </a:solidFill>
               </a:rPr>
-              <a:t>Ejercicio 1.</a:t>
+              <a:t>Ejercicio 2.</a:t>
             </a:r>
           </a:p>
           <a:p>
@@ -6668,7 +6668,7 @@
                   </a:schemeClr>
                 </a:solidFill>
               </a:rPr>
-              <a:t>Ejercicio 2.</a:t>
+              <a:t>Ejercicio 3.</a:t>
             </a:r>
           </a:p>
           <a:p>
